--- a/0-tf.pptx
+++ b/0-tf.pptx
@@ -229,7 +229,7 @@
           <a:p>
             <a:fld id="{B1730E14-8C26-4ED5-B7B4-B3979F4F78AA}" type="datetimeFigureOut">
               <a:rPr lang="cs-CZ" smtClean="0"/>
-              <a:t>10.11.2024</a:t>
+              <a:t>25.11.2024</a:t>
             </a:fld>
             <a:endParaRPr lang="cs-CZ"/>
           </a:p>
@@ -394,7 +394,7 @@
           <a:p>
             <a:fld id="{C85954D0-5250-4AAF-8AF5-6CCD0BDB627C}" type="datetimeFigureOut">
               <a:rPr lang="cs-CZ" smtClean="0"/>
-              <a:t>10.11.2024</a:t>
+              <a:t>25.11.2024</a:t>
             </a:fld>
             <a:endParaRPr lang="cs-CZ"/>
           </a:p>
@@ -948,7 +948,7 @@
           <a:p>
             <a:fld id="{95EC1D4A-A796-47C3-A63E-CE236FB377E2}" type="datetimeFigureOut">
               <a:rPr lang="cs-CZ" smtClean="0"/>
-              <a:t>10.11.2024</a:t>
+              <a:t>25.11.2024</a:t>
             </a:fld>
             <a:endParaRPr lang="cs-CZ"/>
           </a:p>
@@ -1111,7 +1111,7 @@
           <a:p>
             <a:fld id="{95EC1D4A-A796-47C3-A63E-CE236FB377E2}" type="datetimeFigureOut">
               <a:rPr lang="cs-CZ" smtClean="0"/>
-              <a:t>10.11.2024</a:t>
+              <a:t>25.11.2024</a:t>
             </a:fld>
             <a:endParaRPr lang="cs-CZ"/>
           </a:p>
@@ -1284,7 +1284,7 @@
           <a:p>
             <a:fld id="{95EC1D4A-A796-47C3-A63E-CE236FB377E2}" type="datetimeFigureOut">
               <a:rPr lang="cs-CZ" smtClean="0"/>
-              <a:t>10.11.2024</a:t>
+              <a:t>25.11.2024</a:t>
             </a:fld>
             <a:endParaRPr lang="cs-CZ"/>
           </a:p>
@@ -1447,7 +1447,7 @@
           <a:p>
             <a:fld id="{95EC1D4A-A796-47C3-A63E-CE236FB377E2}" type="datetimeFigureOut">
               <a:rPr lang="cs-CZ" smtClean="0"/>
-              <a:t>10.11.2024</a:t>
+              <a:t>25.11.2024</a:t>
             </a:fld>
             <a:endParaRPr lang="cs-CZ"/>
           </a:p>
@@ -1610,7 +1610,7 @@
           <a:p>
             <a:fld id="{95EC1D4A-A796-47C3-A63E-CE236FB377E2}" type="datetimeFigureOut">
               <a:rPr lang="cs-CZ" smtClean="0"/>
-              <a:t>10.11.2024</a:t>
+              <a:t>25.11.2024</a:t>
             </a:fld>
             <a:endParaRPr lang="cs-CZ"/>
           </a:p>
@@ -1890,7 +1890,7 @@
           <a:p>
             <a:fld id="{95EC1D4A-A796-47C3-A63E-CE236FB377E2}" type="datetimeFigureOut">
               <a:rPr lang="cs-CZ" smtClean="0"/>
-              <a:t>10.11.2024</a:t>
+              <a:t>25.11.2024</a:t>
             </a:fld>
             <a:endParaRPr lang="cs-CZ"/>
           </a:p>
@@ -2053,7 +2053,7 @@
           <a:p>
             <a:fld id="{95EC1D4A-A796-47C3-A63E-CE236FB377E2}" type="datetimeFigureOut">
               <a:rPr lang="cs-CZ" smtClean="0"/>
-              <a:t>10.11.2024</a:t>
+              <a:t>25.11.2024</a:t>
             </a:fld>
             <a:endParaRPr lang="cs-CZ"/>
           </a:p>
@@ -2216,7 +2216,7 @@
           <a:p>
             <a:fld id="{95EC1D4A-A796-47C3-A63E-CE236FB377E2}" type="datetimeFigureOut">
               <a:rPr lang="cs-CZ" smtClean="0"/>
-              <a:t>10.11.2024</a:t>
+              <a:t>25.11.2024</a:t>
             </a:fld>
             <a:endParaRPr lang="cs-CZ"/>
           </a:p>
@@ -2306,7 +2306,7 @@
           <a:p>
             <a:fld id="{95EC1D4A-A796-47C3-A63E-CE236FB377E2}" type="datetimeFigureOut">
               <a:rPr lang="cs-CZ" smtClean="0"/>
-              <a:t>10.11.2024</a:t>
+              <a:t>25.11.2024</a:t>
             </a:fld>
             <a:endParaRPr lang="cs-CZ"/>
           </a:p>
@@ -2576,7 +2576,7 @@
           <a:p>
             <a:fld id="{95EC1D4A-A796-47C3-A63E-CE236FB377E2}" type="datetimeFigureOut">
               <a:rPr lang="cs-CZ" smtClean="0"/>
-              <a:t>10.11.2024</a:t>
+              <a:t>25.11.2024</a:t>
             </a:fld>
             <a:endParaRPr lang="cs-CZ"/>
           </a:p>
@@ -2823,7 +2823,7 @@
           <a:p>
             <a:fld id="{95EC1D4A-A796-47C3-A63E-CE236FB377E2}" type="datetimeFigureOut">
               <a:rPr lang="cs-CZ" smtClean="0"/>
-              <a:t>10.11.2024</a:t>
+              <a:t>25.11.2024</a:t>
             </a:fld>
             <a:endParaRPr lang="cs-CZ"/>
           </a:p>
@@ -3029,7 +3029,7 @@
           <a:p>
             <a:fld id="{95EC1D4A-A796-47C3-A63E-CE236FB377E2}" type="datetimeFigureOut">
               <a:rPr lang="cs-CZ" smtClean="0"/>
-              <a:t>10.11.2024</a:t>
+              <a:t>25.11.2024</a:t>
             </a:fld>
             <a:endParaRPr lang="cs-CZ"/>
           </a:p>
@@ -4059,8 +4059,9 @@
             </a:r>
             <a:r>
               <a:rPr lang="cs-CZ" sz="1800" dirty="0" smtClean="0"/>
-              <a:t>)</a:t>
-            </a:r>
+              <a:t>/AWS)</a:t>
+            </a:r>
+            <a:endParaRPr lang="cs-CZ" sz="1800" dirty="0" smtClean="0"/>
           </a:p>
         </p:txBody>
       </p:sp>
@@ -4304,12 +4305,8 @@
               <a:buAutoNum type="arabicPeriod"/>
             </a:pPr>
             <a:r>
-              <a:rPr lang="cs-CZ" sz="1800" dirty="0" err="1"/>
-              <a:t>Rozsirenie</a:t>
-            </a:r>
-            <a:r>
-              <a:rPr lang="cs-CZ" sz="1800" dirty="0"/>
-              <a:t> </a:t>
+              <a:rPr lang="cs-CZ" sz="1800" dirty="0" smtClean="0"/>
+              <a:t>Rozšíření </a:t>
             </a:r>
             <a:r>
               <a:rPr lang="cs-CZ" sz="1800" dirty="0" err="1"/>
